--- a/需求分析/SE2020-G14-软件需求说明(SRS)0.1.1/SE2020-G14-软件需求规格说明(SRS)0.1.1.pptx
+++ b/需求分析/SE2020-G14-软件需求说明(SRS)0.1.1/SE2020-G14-软件需求规格说明(SRS)0.1.1.pptx
@@ -9961,6 +9961,36 @@
           </a:p>
         </p:txBody>
       </p:sp>
+      <p:pic>
+        <p:nvPicPr>
+          <p:cNvPr id="2" name="图片 1">
+            <a:extLst>
+              <a:ext uri="{FF2B5EF4-FFF2-40B4-BE49-F238E27FC236}">
+                <a16:creationId xmlns:a16="http://schemas.microsoft.com/office/drawing/2014/main" id="{ED8517CE-2744-4257-9B41-4D18EA64ED99}"/>
+              </a:ext>
+            </a:extLst>
+          </p:cNvPr>
+          <p:cNvPicPr>
+            <a:picLocks noChangeAspect="1"/>
+          </p:cNvPicPr>
+          <p:nvPr/>
+        </p:nvPicPr>
+        <p:blipFill>
+          <a:blip r:embed="rId2"/>
+          <a:stretch>
+            <a:fillRect/>
+          </a:stretch>
+        </p:blipFill>
+        <p:spPr>
+          <a:xfrm>
+            <a:off x="158052" y="1096045"/>
+            <a:ext cx="12542646" cy="5714385"/>
+          </a:xfrm>
+          <a:prstGeom prst="rect">
+            <a:avLst/>
+          </a:prstGeom>
+        </p:spPr>
+      </p:pic>
     </p:spTree>
     <p:extLst>
       <p:ext uri="{BB962C8B-B14F-4D97-AF65-F5344CB8AC3E}">
@@ -12327,7 +12357,7 @@
           <a:graphicData uri="http://schemas.openxmlformats.org/presentationml/2006/ole">
             <mc:AlternateContent xmlns:mc="http://schemas.openxmlformats.org/markup-compatibility/2006">
               <mc:Choice xmlns:v="urn:schemas-microsoft-com:vml" Requires="v">
-                <p:oleObj spid="_x0000_s2072" name="Worksheet" r:id="rId3" imgW="9921453" imgH="2986836" progId="Excel.Sheet.12">
+                <p:oleObj spid="_x0000_s2073" name="Worksheet" r:id="rId3" imgW="9921453" imgH="2986836" progId="Excel.Sheet.12">
                   <p:embed/>
                 </p:oleObj>
               </mc:Choice>

--- a/需求分析/SE2020-G14-软件需求说明(SRS)0.1.1/SE2020-G14-软件需求规格说明(SRS)0.1.1.pptx
+++ b/需求分析/SE2020-G14-软件需求说明(SRS)0.1.1/SE2020-G14-软件需求规格说明(SRS)0.1.1.pptx
@@ -9961,36 +9961,6 @@
           </a:p>
         </p:txBody>
       </p:sp>
-      <p:pic>
-        <p:nvPicPr>
-          <p:cNvPr id="2" name="图片 1">
-            <a:extLst>
-              <a:ext uri="{FF2B5EF4-FFF2-40B4-BE49-F238E27FC236}">
-                <a16:creationId xmlns:a16="http://schemas.microsoft.com/office/drawing/2014/main" id="{ED8517CE-2744-4257-9B41-4D18EA64ED99}"/>
-              </a:ext>
-            </a:extLst>
-          </p:cNvPr>
-          <p:cNvPicPr>
-            <a:picLocks noChangeAspect="1"/>
-          </p:cNvPicPr>
-          <p:nvPr/>
-        </p:nvPicPr>
-        <p:blipFill>
-          <a:blip r:embed="rId2"/>
-          <a:stretch>
-            <a:fillRect/>
-          </a:stretch>
-        </p:blipFill>
-        <p:spPr>
-          <a:xfrm>
-            <a:off x="158052" y="1096045"/>
-            <a:ext cx="12542646" cy="5714385"/>
-          </a:xfrm>
-          <a:prstGeom prst="rect">
-            <a:avLst/>
-          </a:prstGeom>
-        </p:spPr>
-      </p:pic>
     </p:spTree>
     <p:extLst>
       <p:ext uri="{BB962C8B-B14F-4D97-AF65-F5344CB8AC3E}">
@@ -12357,7 +12327,7 @@
           <a:graphicData uri="http://schemas.openxmlformats.org/presentationml/2006/ole">
             <mc:AlternateContent xmlns:mc="http://schemas.openxmlformats.org/markup-compatibility/2006">
               <mc:Choice xmlns:v="urn:schemas-microsoft-com:vml" Requires="v">
-                <p:oleObj spid="_x0000_s2073" name="Worksheet" r:id="rId3" imgW="9921453" imgH="2986836" progId="Excel.Sheet.12">
+                <p:oleObj spid="_x0000_s2072" name="Worksheet" r:id="rId3" imgW="9921453" imgH="2986836" progId="Excel.Sheet.12">
                   <p:embed/>
                 </p:oleObj>
               </mc:Choice>

--- a/需求分析/SE2020-G14-软件需求说明(SRS)0.1.1/SE2020-G14-软件需求规格说明(SRS)0.1.1.pptx
+++ b/需求分析/SE2020-G14-软件需求说明(SRS)0.1.1/SE2020-G14-软件需求规格说明(SRS)0.1.1.pptx
@@ -294,7 +294,7 @@
           <a:p>
             <a:fld id="{717742FC-62BB-4B81-9CA5-3B750A4B4580}" type="datetimeFigureOut">
               <a:rPr lang="zh-CN" altLang="en-US" smtClean="0"/>
-              <a:t>2020/11/16</a:t>
+              <a:t>2020/11/17</a:t>
             </a:fld>
             <a:endParaRPr lang="zh-CN" altLang="en-US"/>
           </a:p>
@@ -468,7 +468,7 @@
               <a:pPr>
                 <a:defRPr/>
               </a:pPr>
-              <a:t>2020/11/16</a:t>
+              <a:t>2020/11/17</a:t>
             </a:fld>
             <a:endParaRPr lang="zh-CN" altLang="en-US"/>
           </a:p>
@@ -1994,7 +1994,7 @@
           <a:p>
             <a:fld id="{43A93E93-166D-47F5-9EF1-ACEABE24AEEA}" type="datetimeFigureOut">
               <a:rPr lang="zh-CN" altLang="en-US" smtClean="0"/>
-              <a:t>2020/11/16</a:t>
+              <a:t>2020/11/17</a:t>
             </a:fld>
             <a:endParaRPr lang="zh-CN" altLang="en-US"/>
           </a:p>
@@ -2754,7 +2754,7 @@
           <a:p>
             <a:fld id="{43A93E93-166D-47F5-9EF1-ACEABE24AEEA}" type="datetimeFigureOut">
               <a:rPr lang="zh-CN" altLang="en-US" smtClean="0"/>
-              <a:t>2020/11/16</a:t>
+              <a:t>2020/11/17</a:t>
             </a:fld>
             <a:endParaRPr lang="zh-CN" altLang="en-US"/>
           </a:p>
@@ -9961,6 +9961,36 @@
           </a:p>
         </p:txBody>
       </p:sp>
+      <p:pic>
+        <p:nvPicPr>
+          <p:cNvPr id="2" name="图片 1">
+            <a:extLst>
+              <a:ext uri="{FF2B5EF4-FFF2-40B4-BE49-F238E27FC236}">
+                <a16:creationId xmlns:a16="http://schemas.microsoft.com/office/drawing/2014/main" id="{B542D303-5C8A-421F-BCCB-14C077DA7AEF}"/>
+              </a:ext>
+            </a:extLst>
+          </p:cNvPr>
+          <p:cNvPicPr>
+            <a:picLocks noChangeAspect="1"/>
+          </p:cNvPicPr>
+          <p:nvPr/>
+        </p:nvPicPr>
+        <p:blipFill>
+          <a:blip r:embed="rId2"/>
+          <a:stretch>
+            <a:fillRect/>
+          </a:stretch>
+        </p:blipFill>
+        <p:spPr>
+          <a:xfrm>
+            <a:off x="172590" y="1069142"/>
+            <a:ext cx="12513569" cy="5921070"/>
+          </a:xfrm>
+          <a:prstGeom prst="rect">
+            <a:avLst/>
+          </a:prstGeom>
+        </p:spPr>
+      </p:pic>
     </p:spTree>
     <p:extLst>
       <p:ext uri="{BB962C8B-B14F-4D97-AF65-F5344CB8AC3E}">
@@ -12327,7 +12357,7 @@
           <a:graphicData uri="http://schemas.openxmlformats.org/presentationml/2006/ole">
             <mc:AlternateContent xmlns:mc="http://schemas.openxmlformats.org/markup-compatibility/2006">
               <mc:Choice xmlns:v="urn:schemas-microsoft-com:vml" Requires="v">
-                <p:oleObj spid="_x0000_s2072" name="Worksheet" r:id="rId3" imgW="9921453" imgH="2986836" progId="Excel.Sheet.12">
+                <p:oleObj spid="_x0000_s2073" name="Worksheet" r:id="rId3" imgW="9921453" imgH="2986836" progId="Excel.Sheet.12">
                   <p:embed/>
                 </p:oleObj>
               </mc:Choice>
@@ -19767,7 +19797,7 @@
         </p:nvSpPr>
         <p:spPr>
           <a:xfrm>
-            <a:off x="4778697" y="2078844"/>
+            <a:off x="4775629" y="1884548"/>
             <a:ext cx="6297975" cy="635112"/>
           </a:xfrm>
           <a:prstGeom prst="roundRect">
@@ -20098,7 +20128,7 @@
         </p:nvSpPr>
         <p:spPr>
           <a:xfrm>
-            <a:off x="4707858" y="3195917"/>
+            <a:off x="4775629" y="2833291"/>
             <a:ext cx="6297975" cy="635112"/>
           </a:xfrm>
           <a:prstGeom prst="roundRect">
@@ -20161,7 +20191,7 @@
         </p:nvSpPr>
         <p:spPr>
           <a:xfrm>
-            <a:off x="4720256" y="4350978"/>
+            <a:off x="4775629" y="3764026"/>
             <a:ext cx="6297975" cy="635112"/>
           </a:xfrm>
           <a:prstGeom prst="roundRect">
@@ -20224,7 +20254,7 @@
         </p:nvSpPr>
         <p:spPr>
           <a:xfrm>
-            <a:off x="4720256" y="5468051"/>
+            <a:off x="4775629" y="4686440"/>
             <a:ext cx="6297975" cy="635112"/>
           </a:xfrm>
           <a:prstGeom prst="roundRect">
@@ -20287,7 +20317,7 @@
         </p:nvSpPr>
         <p:spPr>
           <a:xfrm>
-            <a:off x="5428727" y="2235537"/>
+            <a:off x="5330363" y="2050551"/>
             <a:ext cx="4880472" cy="270010"/>
           </a:xfrm>
           <a:prstGeom prst="rect">
@@ -20334,29 +20364,7 @@
                 <a:cs typeface="+mn-ea"/>
                 <a:sym typeface="Arial" panose="020B0604020202020204" pitchFamily="34" charset="0"/>
               </a:rPr>
-              <a:t>手动</a:t>
-            </a:r>
-            <a:r>
-              <a:rPr lang="en-US" altLang="zh-CN" sz="1600" dirty="0">
-                <a:solidFill>
-                  <a:schemeClr val="bg1"/>
-                </a:solidFill>
-                <a:latin typeface="Arial" panose="020B0604020202020204" pitchFamily="34" charset="0"/>
-                <a:cs typeface="+mn-ea"/>
-                <a:sym typeface="Arial" panose="020B0604020202020204" pitchFamily="34" charset="0"/>
-              </a:rPr>
-              <a:t>+</a:t>
-            </a:r>
-            <a:r>
-              <a:rPr lang="zh-CN" altLang="en-US" sz="1600" dirty="0">
-                <a:solidFill>
-                  <a:schemeClr val="bg1"/>
-                </a:solidFill>
-                <a:latin typeface="Arial" panose="020B0604020202020204" pitchFamily="34" charset="0"/>
-                <a:cs typeface="+mn-ea"/>
-                <a:sym typeface="Arial" panose="020B0604020202020204" pitchFamily="34" charset="0"/>
-              </a:rPr>
-              <a:t>自动记录账单，节约懒人时间</a:t>
+              <a:t>需方：杨枨老师</a:t>
             </a:r>
             <a:endParaRPr lang="en-US" altLang="zh-CN" sz="1600" dirty="0">
               <a:solidFill>
@@ -20377,8 +20385,8 @@
         </p:nvSpPr>
         <p:spPr>
           <a:xfrm>
-            <a:off x="5357888" y="3378243"/>
-            <a:ext cx="4880472" cy="565924"/>
+            <a:off x="5330363" y="3033597"/>
+            <a:ext cx="4880472" cy="270459"/>
           </a:xfrm>
           <a:prstGeom prst="rect">
             <a:avLst/>
@@ -20423,22 +20431,28 @@
                 <a:cs typeface="+mn-ea"/>
                 <a:sym typeface="Arial" panose="020B0604020202020204" pitchFamily="34" charset="0"/>
               </a:rPr>
-              <a:t>详细账单展示，年月周收支尽在掌握</a:t>
+              <a:t>投资方：</a:t>
             </a:r>
-            <a:endParaRPr lang="en-US" altLang="zh-CN" sz="1600" dirty="0">
-              <a:solidFill>
-                <a:schemeClr val="tx1"/>
-              </a:solidFill>
-              <a:cs typeface="+mn-ea"/>
-              <a:sym typeface="Arial" panose="020B0604020202020204" pitchFamily="34" charset="0"/>
-            </a:endParaRPr>
-          </a:p>
-          <a:p>
-            <a:pPr>
-              <a:lnSpc>
-                <a:spcPct val="120000"/>
-              </a:lnSpc>
-            </a:pPr>
+            <a:r>
+              <a:rPr lang="en-US" altLang="zh-CN" sz="1600" dirty="0">
+                <a:solidFill>
+                  <a:schemeClr val="tx1"/>
+                </a:solidFill>
+                <a:cs typeface="+mn-ea"/>
+                <a:sym typeface="Arial" panose="020B0604020202020204" pitchFamily="34" charset="0"/>
+              </a:rPr>
+              <a:t>G14</a:t>
+            </a:r>
+            <a:r>
+              <a:rPr lang="zh-CN" altLang="en-US" sz="1600" dirty="0">
+                <a:solidFill>
+                  <a:schemeClr val="tx1"/>
+                </a:solidFill>
+                <a:cs typeface="+mn-ea"/>
+                <a:sym typeface="Arial" panose="020B0604020202020204" pitchFamily="34" charset="0"/>
+              </a:rPr>
+              <a:t>小组</a:t>
+            </a:r>
             <a:endParaRPr lang="en-US" altLang="zh-CN" sz="1600" dirty="0">
               <a:solidFill>
                 <a:schemeClr val="tx1"/>
@@ -20457,7 +20471,7 @@
         </p:nvSpPr>
         <p:spPr>
           <a:xfrm>
-            <a:off x="5274990" y="5650602"/>
+            <a:off x="5330363" y="4851085"/>
             <a:ext cx="4880472" cy="270010"/>
           </a:xfrm>
           <a:prstGeom prst="rect">
@@ -20504,7 +20518,29 @@
                 <a:cs typeface="+mn-ea"/>
                 <a:sym typeface="Arial" panose="020B0604020202020204" pitchFamily="34" charset="0"/>
               </a:rPr>
-              <a:t>时间识别、类别识别、导出表格等拓展功能正在路上</a:t>
+              <a:t>开发方：</a:t>
+            </a:r>
+            <a:r>
+              <a:rPr lang="en-US" altLang="zh-CN" sz="1600" dirty="0">
+                <a:solidFill>
+                  <a:schemeClr val="tx1"/>
+                </a:solidFill>
+                <a:latin typeface="Arial" panose="020B0604020202020204" pitchFamily="34" charset="0"/>
+                <a:cs typeface="+mn-ea"/>
+                <a:sym typeface="Arial" panose="020B0604020202020204" pitchFamily="34" charset="0"/>
+              </a:rPr>
+              <a:t>G14</a:t>
+            </a:r>
+            <a:r>
+              <a:rPr lang="zh-CN" altLang="en-US" sz="1600" dirty="0">
+                <a:solidFill>
+                  <a:schemeClr val="tx1"/>
+                </a:solidFill>
+                <a:latin typeface="Arial" panose="020B0604020202020204" pitchFamily="34" charset="0"/>
+                <a:cs typeface="+mn-ea"/>
+                <a:sym typeface="Arial" panose="020B0604020202020204" pitchFamily="34" charset="0"/>
+              </a:rPr>
+              <a:t>小组</a:t>
             </a:r>
             <a:endParaRPr lang="en-US" altLang="zh-CN" sz="1600" dirty="0">
               <a:solidFill>
@@ -20936,7 +20972,7 @@
         </p:nvSpPr>
         <p:spPr>
           <a:xfrm>
-            <a:off x="5277247" y="4526292"/>
+            <a:off x="5332620" y="3939340"/>
             <a:ext cx="4880472" cy="270010"/>
           </a:xfrm>
           <a:prstGeom prst="rect">
@@ -20982,7 +21018,149 @@
                 <a:cs typeface="+mn-ea"/>
                 <a:sym typeface="Arial" panose="020B0604020202020204" pitchFamily="34" charset="0"/>
               </a:rPr>
-              <a:t>清洁界面，追求少广告、功能完整的用户体验</a:t>
+              <a:t>用户：杨枨老师、邢海粟、赵宇阳、廖安琪</a:t>
+            </a:r>
+            <a:endParaRPr lang="en-US" altLang="zh-CN" sz="1600" dirty="0">
+              <a:solidFill>
+                <a:schemeClr val="bg1"/>
+              </a:solidFill>
+              <a:latin typeface="Arial" panose="020B0604020202020204" pitchFamily="34" charset="0"/>
+              <a:cs typeface="+mn-ea"/>
+              <a:sym typeface="Arial" panose="020B0604020202020204" pitchFamily="34" charset="0"/>
+            </a:endParaRPr>
+          </a:p>
+        </p:txBody>
+      </p:sp>
+      <p:sp>
+        <p:nvSpPr>
+          <p:cNvPr id="11" name="圆角矩形 6">
+            <a:extLst>
+              <a:ext uri="{FF2B5EF4-FFF2-40B4-BE49-F238E27FC236}">
+                <a16:creationId xmlns:a16="http://schemas.microsoft.com/office/drawing/2014/main" id="{B0074131-07F0-45B9-B289-B8BA999F2BCB}"/>
+              </a:ext>
+            </a:extLst>
+          </p:cNvPr>
+          <p:cNvSpPr/>
+          <p:nvPr/>
+        </p:nvSpPr>
+        <p:spPr>
+          <a:xfrm>
+            <a:off x="4798321" y="5613717"/>
+            <a:ext cx="6297975" cy="635112"/>
+          </a:xfrm>
+          <a:prstGeom prst="roundRect">
+            <a:avLst>
+              <a:gd name="adj" fmla="val 25274"/>
+            </a:avLst>
+          </a:prstGeom>
+          <a:solidFill>
+            <a:schemeClr val="accent3"/>
+          </a:solidFill>
+          <a:ln>
+            <a:noFill/>
+          </a:ln>
+        </p:spPr>
+        <p:style>
+          <a:lnRef idx="2">
+            <a:schemeClr val="accent1">
+              <a:shade val="50000"/>
+            </a:schemeClr>
+          </a:lnRef>
+          <a:fillRef idx="1">
+            <a:schemeClr val="accent1"/>
+          </a:fillRef>
+          <a:effectRef idx="0">
+            <a:schemeClr val="accent1"/>
+          </a:effectRef>
+          <a:fontRef idx="minor">
+            <a:schemeClr val="lt1"/>
+          </a:fontRef>
+        </p:style>
+        <p:txBody>
+          <a:bodyPr rtlCol="0" anchor="ctr"/>
+          <a:lstStyle/>
+          <a:p>
+            <a:pPr algn="ctr">
+              <a:lnSpc>
+                <a:spcPct val="120000"/>
+              </a:lnSpc>
+            </a:pPr>
+            <a:endParaRPr lang="zh-CN" altLang="en-US">
+              <a:solidFill>
+                <a:schemeClr val="tx1">
+                  <a:lumMod val="75000"/>
+                  <a:lumOff val="25000"/>
+                </a:schemeClr>
+              </a:solidFill>
+              <a:latin typeface="Arial" panose="020B0604020202020204" pitchFamily="34" charset="0"/>
+              <a:ea typeface="微软雅黑" panose="020B0503020204020204" pitchFamily="34" charset="-122"/>
+              <a:cs typeface="+mn-ea"/>
+              <a:sym typeface="Arial" panose="020B0604020202020204" pitchFamily="34" charset="0"/>
+            </a:endParaRPr>
+          </a:p>
+        </p:txBody>
+      </p:sp>
+      <p:sp>
+        <p:nvSpPr>
+          <p:cNvPr id="13" name="TextBox 8">
+            <a:extLst>
+              <a:ext uri="{FF2B5EF4-FFF2-40B4-BE49-F238E27FC236}">
+                <a16:creationId xmlns:a16="http://schemas.microsoft.com/office/drawing/2014/main" id="{3743DF7C-5FFF-4711-8C45-9A8151D97144}"/>
+              </a:ext>
+            </a:extLst>
+          </p:cNvPr>
+          <p:cNvSpPr txBox="1"/>
+          <p:nvPr/>
+        </p:nvSpPr>
+        <p:spPr>
+          <a:xfrm>
+            <a:off x="5330363" y="5776565"/>
+            <a:ext cx="4880472" cy="270010"/>
+          </a:xfrm>
+          <a:prstGeom prst="rect">
+            <a:avLst/>
+          </a:prstGeom>
+          <a:noFill/>
+        </p:spPr>
+        <p:txBody>
+          <a:bodyPr wrap="square" lIns="0" tIns="0" rIns="0" bIns="0" rtlCol="0">
+            <a:spAutoFit/>
+          </a:bodyPr>
+          <a:lstStyle>
+            <a:defPPr>
+              <a:defRPr lang="zh-CN"/>
+            </a:defPPr>
+            <a:lvl1pPr algn="just">
+              <a:lnSpc>
+                <a:spcPts val="1300"/>
+              </a:lnSpc>
+              <a:defRPr sz="1000">
+                <a:solidFill>
+                  <a:schemeClr val="tx1">
+                    <a:lumMod val="65000"/>
+                    <a:lumOff val="35000"/>
+                  </a:schemeClr>
+                </a:solidFill>
+                <a:latin typeface="微软雅黑" pitchFamily="34" charset="-122"/>
+                <a:ea typeface="微软雅黑" pitchFamily="34" charset="-122"/>
+              </a:defRPr>
+            </a:lvl1pPr>
+          </a:lstStyle>
+          <a:p>
+            <a:pPr>
+              <a:lnSpc>
+                <a:spcPct val="120000"/>
+              </a:lnSpc>
+            </a:pPr>
+            <a:r>
+              <a:rPr lang="zh-CN" altLang="en-US" sz="1600" dirty="0">
+                <a:solidFill>
+                  <a:schemeClr val="bg1"/>
+                </a:solidFill>
+                <a:cs typeface="+mn-ea"/>
+                <a:sym typeface="Arial" panose="020B0604020202020204" pitchFamily="34" charset="0"/>
+              </a:rPr>
+              <a:t>支持机构：浙大城市学院</a:t>
             </a:r>
             <a:endParaRPr lang="en-US" altLang="zh-CN" sz="1600" dirty="0">
               <a:solidFill>

--- a/需求分析/SE2020-G14-软件需求说明(SRS)0.1.1/SE2020-G14-软件需求规格说明(SRS)0.1.1.pptx
+++ b/需求分析/SE2020-G14-软件需求说明(SRS)0.1.1/SE2020-G14-软件需求规格说明(SRS)0.1.1.pptx
@@ -5668,6 +5668,36 @@
           </a:prstGeom>
         </p:spPr>
       </p:pic>
+      <p:pic>
+        <p:nvPicPr>
+          <p:cNvPr id="2" name="图片 1">
+            <a:extLst>
+              <a:ext uri="{FF2B5EF4-FFF2-40B4-BE49-F238E27FC236}">
+                <a16:creationId xmlns:a16="http://schemas.microsoft.com/office/drawing/2014/main" id="{28481D19-3A27-4450-9544-CF2FA3821F93}"/>
+              </a:ext>
+            </a:extLst>
+          </p:cNvPr>
+          <p:cNvPicPr>
+            <a:picLocks noChangeAspect="1"/>
+          </p:cNvPicPr>
+          <p:nvPr/>
+        </p:nvPicPr>
+        <p:blipFill>
+          <a:blip r:embed="rId5"/>
+          <a:stretch>
+            <a:fillRect/>
+          </a:stretch>
+        </p:blipFill>
+        <p:spPr>
+          <a:xfrm>
+            <a:off x="1095236" y="2896245"/>
+            <a:ext cx="1813717" cy="1813717"/>
+          </a:xfrm>
+          <a:prstGeom prst="rect">
+            <a:avLst/>
+          </a:prstGeom>
+        </p:spPr>
+      </p:pic>
     </p:spTree>
     <p:extLst>
       <p:ext uri="{BB962C8B-B14F-4D97-AF65-F5344CB8AC3E}">
@@ -6379,6 +6409,36 @@
           <a:xfrm>
             <a:off x="9980003" y="538923"/>
             <a:ext cx="2619701" cy="5669690"/>
+          </a:xfrm>
+          <a:prstGeom prst="rect">
+            <a:avLst/>
+          </a:prstGeom>
+        </p:spPr>
+      </p:pic>
+      <p:pic>
+        <p:nvPicPr>
+          <p:cNvPr id="3" name="图片 2">
+            <a:extLst>
+              <a:ext uri="{FF2B5EF4-FFF2-40B4-BE49-F238E27FC236}">
+                <a16:creationId xmlns:a16="http://schemas.microsoft.com/office/drawing/2014/main" id="{23E42909-775C-4F2A-BB1B-ACA999B0FB65}"/>
+              </a:ext>
+            </a:extLst>
+          </p:cNvPr>
+          <p:cNvPicPr>
+            <a:picLocks noChangeAspect="1"/>
+          </p:cNvPicPr>
+          <p:nvPr/>
+        </p:nvPicPr>
+        <p:blipFill>
+          <a:blip r:embed="rId5"/>
+          <a:stretch>
+            <a:fillRect/>
+          </a:stretch>
+        </p:blipFill>
+        <p:spPr>
+          <a:xfrm>
+            <a:off x="1095236" y="2896245"/>
+            <a:ext cx="1813717" cy="1813717"/>
           </a:xfrm>
           <a:prstGeom prst="rect">
             <a:avLst/>
@@ -7102,6 +7162,36 @@
           </a:prstGeom>
         </p:spPr>
       </p:pic>
+      <p:pic>
+        <p:nvPicPr>
+          <p:cNvPr id="2" name="图片 1">
+            <a:extLst>
+              <a:ext uri="{FF2B5EF4-FFF2-40B4-BE49-F238E27FC236}">
+                <a16:creationId xmlns:a16="http://schemas.microsoft.com/office/drawing/2014/main" id="{CB232D3D-C2A5-4707-9E38-1B2664A2397F}"/>
+              </a:ext>
+            </a:extLst>
+          </p:cNvPr>
+          <p:cNvPicPr>
+            <a:picLocks noChangeAspect="1"/>
+          </p:cNvPicPr>
+          <p:nvPr/>
+        </p:nvPicPr>
+        <p:blipFill>
+          <a:blip r:embed="rId5"/>
+          <a:stretch>
+            <a:fillRect/>
+          </a:stretch>
+        </p:blipFill>
+        <p:spPr>
+          <a:xfrm>
+            <a:off x="1095236" y="2896245"/>
+            <a:ext cx="1813717" cy="1813717"/>
+          </a:xfrm>
+          <a:prstGeom prst="rect">
+            <a:avLst/>
+          </a:prstGeom>
+        </p:spPr>
+      </p:pic>
     </p:spTree>
     <p:extLst>
       <p:ext uri="{BB962C8B-B14F-4D97-AF65-F5344CB8AC3E}">
@@ -7807,6 +7897,36 @@
           <a:xfrm>
             <a:off x="9957767" y="553372"/>
             <a:ext cx="2630375" cy="5667832"/>
+          </a:xfrm>
+          <a:prstGeom prst="rect">
+            <a:avLst/>
+          </a:prstGeom>
+        </p:spPr>
+      </p:pic>
+      <p:pic>
+        <p:nvPicPr>
+          <p:cNvPr id="2" name="图片 1">
+            <a:extLst>
+              <a:ext uri="{FF2B5EF4-FFF2-40B4-BE49-F238E27FC236}">
+                <a16:creationId xmlns:a16="http://schemas.microsoft.com/office/drawing/2014/main" id="{A26060AA-459A-4F34-97AA-46F3E1CC9A4A}"/>
+              </a:ext>
+            </a:extLst>
+          </p:cNvPr>
+          <p:cNvPicPr>
+            <a:picLocks noChangeAspect="1"/>
+          </p:cNvPicPr>
+          <p:nvPr/>
+        </p:nvPicPr>
+        <p:blipFill>
+          <a:blip r:embed="rId5"/>
+          <a:stretch>
+            <a:fillRect/>
+          </a:stretch>
+        </p:blipFill>
+        <p:spPr>
+          <a:xfrm>
+            <a:off x="1095236" y="2896245"/>
+            <a:ext cx="1813717" cy="1813717"/>
           </a:xfrm>
           <a:prstGeom prst="rect">
             <a:avLst/>
@@ -8524,6 +8644,36 @@
           <a:xfrm>
             <a:off x="10016127" y="553419"/>
             <a:ext cx="2643170" cy="5720483"/>
+          </a:xfrm>
+          <a:prstGeom prst="rect">
+            <a:avLst/>
+          </a:prstGeom>
+        </p:spPr>
+      </p:pic>
+      <p:pic>
+        <p:nvPicPr>
+          <p:cNvPr id="2" name="图片 1">
+            <a:extLst>
+              <a:ext uri="{FF2B5EF4-FFF2-40B4-BE49-F238E27FC236}">
+                <a16:creationId xmlns:a16="http://schemas.microsoft.com/office/drawing/2014/main" id="{FCEEFA8E-5B2F-4511-93B6-C6C9B43B9DF7}"/>
+              </a:ext>
+            </a:extLst>
+          </p:cNvPr>
+          <p:cNvPicPr>
+            <a:picLocks noChangeAspect="1"/>
+          </p:cNvPicPr>
+          <p:nvPr/>
+        </p:nvPicPr>
+        <p:blipFill>
+          <a:blip r:embed="rId5"/>
+          <a:stretch>
+            <a:fillRect/>
+          </a:stretch>
+        </p:blipFill>
+        <p:spPr>
+          <a:xfrm>
+            <a:off x="1095236" y="2896245"/>
+            <a:ext cx="1813717" cy="1813717"/>
           </a:xfrm>
           <a:prstGeom prst="rect">
             <a:avLst/>
@@ -12357,7 +12507,7 @@
           <a:graphicData uri="http://schemas.openxmlformats.org/presentationml/2006/ole">
             <mc:AlternateContent xmlns:mc="http://schemas.openxmlformats.org/markup-compatibility/2006">
               <mc:Choice xmlns:v="urn:schemas-microsoft-com:vml" Requires="v">
-                <p:oleObj spid="_x0000_s2073" name="Worksheet" r:id="rId3" imgW="9921453" imgH="2986836" progId="Excel.Sheet.12">
+                <p:oleObj spid="_x0000_s2075" name="Worksheet" r:id="rId3" imgW="9921453" imgH="2986836" progId="Excel.Sheet.12">
                   <p:embed/>
                 </p:oleObj>
               </mc:Choice>
@@ -22722,36 +22872,6 @@
           <a:chExt cx="0" cy="0"/>
         </a:xfrm>
       </p:grpSpPr>
-      <p:pic>
-        <p:nvPicPr>
-          <p:cNvPr id="2" name="图片 1">
-            <a:extLst>
-              <a:ext uri="{FF2B5EF4-FFF2-40B4-BE49-F238E27FC236}">
-                <a16:creationId xmlns:a16="http://schemas.microsoft.com/office/drawing/2014/main" id="{1955249E-D62F-46A2-98B9-400205D2D2B3}"/>
-              </a:ext>
-            </a:extLst>
-          </p:cNvPr>
-          <p:cNvPicPr>
-            <a:picLocks noChangeAspect="1"/>
-          </p:cNvPicPr>
-          <p:nvPr/>
-        </p:nvPicPr>
-        <p:blipFill>
-          <a:blip r:embed="rId2"/>
-          <a:stretch>
-            <a:fillRect/>
-          </a:stretch>
-        </p:blipFill>
-        <p:spPr>
-          <a:xfrm>
-            <a:off x="1095236" y="776665"/>
-            <a:ext cx="5443797" cy="6213547"/>
-          </a:xfrm>
-          <a:prstGeom prst="rect">
-            <a:avLst/>
-          </a:prstGeom>
-        </p:spPr>
-      </p:pic>
       <p:sp>
         <p:nvSpPr>
           <p:cNvPr id="4" name="椭圆 3">
@@ -23190,7 +23310,7 @@
           <p:nvPr/>
         </p:nvPicPr>
         <p:blipFill>
-          <a:blip r:embed="rId3"/>
+          <a:blip r:embed="rId2"/>
           <a:stretch>
             <a:fillRect/>
           </a:stretch>
@@ -23199,6 +23319,36 @@
           <a:xfrm>
             <a:off x="6711224" y="759681"/>
             <a:ext cx="5334775" cy="6261879"/>
+          </a:xfrm>
+          <a:prstGeom prst="rect">
+            <a:avLst/>
+          </a:prstGeom>
+        </p:spPr>
+      </p:pic>
+      <p:pic>
+        <p:nvPicPr>
+          <p:cNvPr id="3" name="图片 2">
+            <a:extLst>
+              <a:ext uri="{FF2B5EF4-FFF2-40B4-BE49-F238E27FC236}">
+                <a16:creationId xmlns:a16="http://schemas.microsoft.com/office/drawing/2014/main" id="{87B61BE4-4CED-47B8-8150-5FC33693D909}"/>
+              </a:ext>
+            </a:extLst>
+          </p:cNvPr>
+          <p:cNvPicPr>
+            <a:picLocks noChangeAspect="1"/>
+          </p:cNvPicPr>
+          <p:nvPr/>
+        </p:nvPicPr>
+        <p:blipFill>
+          <a:blip r:embed="rId3"/>
+          <a:stretch>
+            <a:fillRect/>
+          </a:stretch>
+        </p:blipFill>
+        <p:spPr>
+          <a:xfrm>
+            <a:off x="1244799" y="759681"/>
+            <a:ext cx="5616624" cy="6303101"/>
           </a:xfrm>
           <a:prstGeom prst="rect">
             <a:avLst/>
